--- a/Presentación.pptx
+++ b/Presentación.pptx
@@ -345,7 +345,7 @@
           <a:p>
             <a:fld id="{B9587EDC-59AD-4D69-AD3B-09CA99F0789A}" type="datetimeFigureOut">
               <a:rPr lang="en-US" smtClean="0"/>
-              <a:t>12/11/2017</a:t>
+              <a:t>12/12/2017</a:t>
             </a:fld>
             <a:endParaRPr lang="en-US"/>
           </a:p>
@@ -679,7 +679,7 @@
           <a:p>
             <a:fld id="{B9587EDC-59AD-4D69-AD3B-09CA99F0789A}" type="datetimeFigureOut">
               <a:rPr lang="en-US" smtClean="0"/>
-              <a:t>12/11/2017</a:t>
+              <a:t>12/12/2017</a:t>
             </a:fld>
             <a:endParaRPr lang="en-US"/>
           </a:p>
@@ -957,7 +957,7 @@
           <a:p>
             <a:fld id="{B9587EDC-59AD-4D69-AD3B-09CA99F0789A}" type="datetimeFigureOut">
               <a:rPr lang="en-US" smtClean="0"/>
-              <a:t>12/11/2017</a:t>
+              <a:t>12/12/2017</a:t>
             </a:fld>
             <a:endParaRPr lang="en-US"/>
           </a:p>
@@ -1525,7 +1525,7 @@
           <a:p>
             <a:fld id="{B9587EDC-59AD-4D69-AD3B-09CA99F0789A}" type="datetimeFigureOut">
               <a:rPr lang="en-US" smtClean="0"/>
-              <a:t>12/11/2017</a:t>
+              <a:t>12/12/2017</a:t>
             </a:fld>
             <a:endParaRPr lang="en-US"/>
           </a:p>
@@ -1803,7 +1803,7 @@
           <a:p>
             <a:fld id="{B9587EDC-59AD-4D69-AD3B-09CA99F0789A}" type="datetimeFigureOut">
               <a:rPr lang="en-US" smtClean="0"/>
-              <a:t>12/11/2017</a:t>
+              <a:t>12/12/2017</a:t>
             </a:fld>
             <a:endParaRPr lang="en-US"/>
           </a:p>
@@ -2365,7 +2365,7 @@
           <a:p>
             <a:fld id="{B9587EDC-59AD-4D69-AD3B-09CA99F0789A}" type="datetimeFigureOut">
               <a:rPr lang="en-US" smtClean="0"/>
-              <a:t>12/11/2017</a:t>
+              <a:t>12/12/2017</a:t>
             </a:fld>
             <a:endParaRPr lang="en-US"/>
           </a:p>
@@ -2692,7 +2692,7 @@
           <a:p>
             <a:fld id="{B9587EDC-59AD-4D69-AD3B-09CA99F0789A}" type="datetimeFigureOut">
               <a:rPr lang="en-US" smtClean="0"/>
-              <a:t>12/11/2017</a:t>
+              <a:t>12/12/2017</a:t>
             </a:fld>
             <a:endParaRPr lang="en-US"/>
           </a:p>
@@ -2869,7 +2869,7 @@
           <a:p>
             <a:fld id="{B9587EDC-59AD-4D69-AD3B-09CA99F0789A}" type="datetimeFigureOut">
               <a:rPr lang="en-US" smtClean="0"/>
-              <a:t>12/11/2017</a:t>
+              <a:t>12/12/2017</a:t>
             </a:fld>
             <a:endParaRPr lang="en-US"/>
           </a:p>
@@ -3107,7 +3107,7 @@
           <a:p>
             <a:fld id="{B9587EDC-59AD-4D69-AD3B-09CA99F0789A}" type="datetimeFigureOut">
               <a:rPr lang="en-US" smtClean="0"/>
-              <a:t>12/11/2017</a:t>
+              <a:t>12/12/2017</a:t>
             </a:fld>
             <a:endParaRPr lang="en-US"/>
           </a:p>
@@ -3307,7 +3307,7 @@
           <a:p>
             <a:fld id="{B9587EDC-59AD-4D69-AD3B-09CA99F0789A}" type="datetimeFigureOut">
               <a:rPr lang="en-US" smtClean="0"/>
-              <a:t>12/11/2017</a:t>
+              <a:t>12/12/2017</a:t>
             </a:fld>
             <a:endParaRPr lang="en-US"/>
           </a:p>
@@ -3583,7 +3583,7 @@
           <a:p>
             <a:fld id="{B9587EDC-59AD-4D69-AD3B-09CA99F0789A}" type="datetimeFigureOut">
               <a:rPr lang="en-US" smtClean="0"/>
-              <a:t>12/11/2017</a:t>
+              <a:t>12/12/2017</a:t>
             </a:fld>
             <a:endParaRPr lang="en-US"/>
           </a:p>
@@ -3849,7 +3849,7 @@
           <a:p>
             <a:fld id="{B9587EDC-59AD-4D69-AD3B-09CA99F0789A}" type="datetimeFigureOut">
               <a:rPr lang="en-US" smtClean="0"/>
-              <a:t>12/11/2017</a:t>
+              <a:t>12/12/2017</a:t>
             </a:fld>
             <a:endParaRPr lang="en-US"/>
           </a:p>
@@ -4223,7 +4223,7 @@
           <a:p>
             <a:fld id="{B9587EDC-59AD-4D69-AD3B-09CA99F0789A}" type="datetimeFigureOut">
               <a:rPr lang="en-US" smtClean="0"/>
-              <a:t>12/11/2017</a:t>
+              <a:t>12/12/2017</a:t>
             </a:fld>
             <a:endParaRPr lang="en-US"/>
           </a:p>
@@ -4371,7 +4371,7 @@
           <a:p>
             <a:fld id="{B9587EDC-59AD-4D69-AD3B-09CA99F0789A}" type="datetimeFigureOut">
               <a:rPr lang="en-US" smtClean="0"/>
-              <a:t>12/11/2017</a:t>
+              <a:t>12/12/2017</a:t>
             </a:fld>
             <a:endParaRPr lang="en-US"/>
           </a:p>
@@ -4496,7 +4496,7 @@
           <a:p>
             <a:fld id="{B9587EDC-59AD-4D69-AD3B-09CA99F0789A}" type="datetimeFigureOut">
               <a:rPr lang="en-US" smtClean="0"/>
-              <a:t>12/11/2017</a:t>
+              <a:t>12/12/2017</a:t>
             </a:fld>
             <a:endParaRPr lang="en-US"/>
           </a:p>
@@ -4781,7 +4781,7 @@
           <a:p>
             <a:fld id="{B9587EDC-59AD-4D69-AD3B-09CA99F0789A}" type="datetimeFigureOut">
               <a:rPr lang="en-US" smtClean="0"/>
-              <a:t>12/11/2017</a:t>
+              <a:t>12/12/2017</a:t>
             </a:fld>
             <a:endParaRPr lang="en-US"/>
           </a:p>
@@ -5105,7 +5105,7 @@
           <a:p>
             <a:fld id="{B9587EDC-59AD-4D69-AD3B-09CA99F0789A}" type="datetimeFigureOut">
               <a:rPr lang="en-US" smtClean="0"/>
-              <a:t>12/11/2017</a:t>
+              <a:t>12/12/2017</a:t>
             </a:fld>
             <a:endParaRPr lang="en-US"/>
           </a:p>
@@ -5319,7 +5319,7 @@
           <a:p>
             <a:fld id="{B9587EDC-59AD-4D69-AD3B-09CA99F0789A}" type="datetimeFigureOut">
               <a:rPr lang="en-US" smtClean="0"/>
-              <a:t>12/11/2017</a:t>
+              <a:t>12/12/2017</a:t>
             </a:fld>
             <a:endParaRPr lang="en-US"/>
           </a:p>
@@ -5857,6 +5857,150 @@
           </a:p>
         </p:txBody>
       </p:sp>
+      <p:sp>
+        <p:nvSpPr>
+          <p:cNvPr id="3" name="Título 1"/>
+          <p:cNvSpPr txBox="1">
+            <a:spLocks/>
+          </p:cNvSpPr>
+          <p:nvPr/>
+        </p:nvSpPr>
+        <p:spPr>
+          <a:xfrm>
+            <a:off x="4094921" y="4267199"/>
+            <a:ext cx="7197726" cy="1448533"/>
+          </a:xfrm>
+          <a:prstGeom prst="rect">
+            <a:avLst/>
+          </a:prstGeom>
+          <a:effectLst/>
+        </p:spPr>
+        <p:txBody>
+          <a:bodyPr vert="horz" lIns="91440" tIns="45720" rIns="91440" bIns="45720" rtlCol="0" anchor="b">
+            <a:normAutofit/>
+          </a:bodyPr>
+          <a:lstStyle>
+            <a:lvl1pPr algn="r" defTabSz="457200" rtl="0" eaLnBrk="1" latinLnBrk="0" hangingPunct="1">
+              <a:spcBef>
+                <a:spcPct val="0"/>
+              </a:spcBef>
+              <a:buNone/>
+              <a:defRPr sz="4800" kern="1200" cap="all">
+                <a:ln w="3175" cmpd="sng">
+                  <a:noFill/>
+                </a:ln>
+                <a:solidFill>
+                  <a:schemeClr val="tx1"/>
+                </a:solidFill>
+                <a:effectLst/>
+                <a:latin typeface="+mj-lt"/>
+                <a:ea typeface="+mj-ea"/>
+                <a:cs typeface="+mj-cs"/>
+              </a:defRPr>
+            </a:lvl1pPr>
+            <a:lvl2pPr eaLnBrk="1" hangingPunct="1">
+              <a:defRPr>
+                <a:solidFill>
+                  <a:schemeClr val="tx2"/>
+                </a:solidFill>
+              </a:defRPr>
+            </a:lvl2pPr>
+            <a:lvl3pPr eaLnBrk="1" hangingPunct="1">
+              <a:defRPr>
+                <a:solidFill>
+                  <a:schemeClr val="tx2"/>
+                </a:solidFill>
+              </a:defRPr>
+            </a:lvl3pPr>
+            <a:lvl4pPr eaLnBrk="1" hangingPunct="1">
+              <a:defRPr>
+                <a:solidFill>
+                  <a:schemeClr val="tx2"/>
+                </a:solidFill>
+              </a:defRPr>
+            </a:lvl4pPr>
+            <a:lvl5pPr eaLnBrk="1" hangingPunct="1">
+              <a:defRPr>
+                <a:solidFill>
+                  <a:schemeClr val="tx2"/>
+                </a:solidFill>
+              </a:defRPr>
+            </a:lvl5pPr>
+            <a:lvl6pPr eaLnBrk="1" hangingPunct="1">
+              <a:defRPr>
+                <a:solidFill>
+                  <a:schemeClr val="tx2"/>
+                </a:solidFill>
+              </a:defRPr>
+            </a:lvl6pPr>
+            <a:lvl7pPr eaLnBrk="1" hangingPunct="1">
+              <a:defRPr>
+                <a:solidFill>
+                  <a:schemeClr val="tx2"/>
+                </a:solidFill>
+              </a:defRPr>
+            </a:lvl7pPr>
+            <a:lvl8pPr eaLnBrk="1" hangingPunct="1">
+              <a:defRPr>
+                <a:solidFill>
+                  <a:schemeClr val="tx2"/>
+                </a:solidFill>
+              </a:defRPr>
+            </a:lvl8pPr>
+            <a:lvl9pPr eaLnBrk="1" hangingPunct="1">
+              <a:defRPr>
+                <a:solidFill>
+                  <a:schemeClr val="tx2"/>
+                </a:solidFill>
+              </a:defRPr>
+            </a:lvl9pPr>
+          </a:lstStyle>
+          <a:p>
+            <a:r>
+              <a:rPr lang="en-US" sz="2800" b="1" dirty="0" err="1" smtClean="0">
+                <a:solidFill>
+                  <a:schemeClr val="bg1"/>
+                </a:solidFill>
+              </a:rPr>
+              <a:t>Integrantes</a:t>
+            </a:r>
+            <a:r>
+              <a:rPr lang="en-US" sz="2800" b="1" dirty="0" smtClean="0">
+                <a:solidFill>
+                  <a:schemeClr val="bg1"/>
+                </a:solidFill>
+              </a:rPr>
+              <a:t>:</a:t>
+            </a:r>
+          </a:p>
+          <a:p>
+            <a:r>
+              <a:rPr lang="en-US" sz="2800" dirty="0" smtClean="0"/>
+              <a:t>Velasco </a:t>
+            </a:r>
+            <a:r>
+              <a:rPr lang="en-US" sz="2800" dirty="0" err="1" smtClean="0"/>
+              <a:t>david</a:t>
+            </a:r>
+            <a:endParaRPr lang="en-US" sz="2800" dirty="0" smtClean="0"/>
+          </a:p>
+          <a:p>
+            <a:r>
+              <a:rPr lang="en-US" sz="2800" dirty="0" err="1" smtClean="0"/>
+              <a:t>Villalta</a:t>
+            </a:r>
+            <a:r>
+              <a:rPr lang="en-US" sz="2800" dirty="0" smtClean="0"/>
+              <a:t> </a:t>
+            </a:r>
+            <a:r>
+              <a:rPr lang="en-US" sz="2800" dirty="0" err="1" smtClean="0"/>
+              <a:t>luis</a:t>
+            </a:r>
+            <a:endParaRPr lang="en-US" sz="2800" dirty="0"/>
+          </a:p>
+        </p:txBody>
+      </p:sp>
     </p:spTree>
     <p:extLst>
       <p:ext uri="{BB962C8B-B14F-4D97-AF65-F5344CB8AC3E}">
@@ -5923,15 +6067,23 @@
             </a:r>
             <a:r>
               <a:rPr lang="es-MX" sz="2400" dirty="0"/>
-              <a:t>ecuatoriana con sede en la ciudad de Quito, fundada en 2017 con la finalidad de </a:t>
-            </a:r>
-            <a:r>
-              <a:rPr lang="es-MX" sz="2400" dirty="0" err="1"/>
-              <a:t>restacar</a:t>
+              <a:t>ecuatoriana </a:t>
+            </a:r>
+            <a:r>
+              <a:rPr lang="es-MX" sz="2400" dirty="0" smtClean="0"/>
+              <a:t>fundada </a:t>
             </a:r>
             <a:r>
               <a:rPr lang="es-MX" sz="2400" dirty="0"/>
-              <a:t> la cultura de la ciudad de Quito, además dar una visión diferente fuera de una era digital ofreciendo servicios de turismo cultural e histórico en el área metropolitana con énfasis en los procesos coloniales de formación social a través de visitas guiadas a las representaciones artísticas manifestadas en la arquitectura, pintura, artesanías entre otras; su estudio permite realizar acercamientos a la realidad histórica, ofreciendo un espacio de conocimiento y debate a nacionales, extranjeros, estudiantes y otros grupos de investigación que realicen aproximaciones teóricas del pasado de la ciudad y del país. Debido a la diversidad de servicios que </a:t>
+              <a:t>en 2017 con la finalidad de </a:t>
+            </a:r>
+            <a:r>
+              <a:rPr lang="es-MX" sz="2400" dirty="0" smtClean="0"/>
+              <a:t>rescatar </a:t>
+            </a:r>
+            <a:r>
+              <a:rPr lang="es-MX" sz="2400" dirty="0"/>
+              <a:t>la cultura de la ciudad de Quito, además dar una visión diferente fuera de una era digital ofreciendo servicios de turismo cultural e histórico en el área metropolitana con énfasis en los procesos coloniales de formación social a través de visitas guiadas a las representaciones artísticas manifestadas en la arquitectura, pintura, artesanías entre otras; su estudio permite realizar acercamientos a la realidad histórica, ofreciendo un espacio de conocimiento y debate a nacionales, extranjeros, estudiantes y otros grupos de investigación que realicen aproximaciones teóricas del pasado de la ciudad y del país. Debido a la diversidad de servicios que </a:t>
             </a:r>
             <a:r>
               <a:rPr lang="es-MX" sz="2400" dirty="0" smtClean="0"/>
@@ -6219,25 +6371,45 @@
           </a:p>
         </p:txBody>
       </p:sp>
-      <p:sp>
-        <p:nvSpPr>
-          <p:cNvPr id="3" name="Marcador de contenido 2"/>
-          <p:cNvSpPr>
-            <a:spLocks noGrp="1"/>
-          </p:cNvSpPr>
-          <p:nvPr>
-            <p:ph idx="1"/>
-          </p:nvPr>
-        </p:nvSpPr>
-        <p:spPr/>
-        <p:txBody>
-          <a:bodyPr/>
-          <a:lstStyle/>
-          <a:p>
-            <a:endParaRPr lang="es-EC" dirty="0"/>
-          </a:p>
-        </p:txBody>
-      </p:sp>
+      <p:pic>
+        <p:nvPicPr>
+          <p:cNvPr id="1028" name="Picture 4" descr="Resultado de imagen para estructura html5"/>
+          <p:cNvPicPr>
+            <a:picLocks noChangeAspect="1" noChangeArrowheads="1"/>
+          </p:cNvPicPr>
+          <p:nvPr/>
+        </p:nvPicPr>
+        <p:blipFill rotWithShape="1">
+          <a:blip r:embed="rId2">
+            <a:extLst>
+              <a:ext uri="{28A0092B-C50C-407E-A947-70E740481C1C}">
+                <a14:useLocalDpi xmlns:a14="http://schemas.microsoft.com/office/drawing/2010/main" val="0"/>
+              </a:ext>
+            </a:extLst>
+          </a:blip>
+          <a:srcRect r="29602"/>
+          <a:stretch/>
+        </p:blipFill>
+        <p:spPr bwMode="auto">
+          <a:xfrm>
+            <a:off x="3150566" y="2186609"/>
+            <a:ext cx="6205469" cy="3780321"/>
+          </a:xfrm>
+          <a:prstGeom prst="rect">
+            <a:avLst/>
+          </a:prstGeom>
+          <a:noFill/>
+          <a:extLst>
+            <a:ext uri="{909E8E84-426E-40DD-AFC4-6F175D3DCCD1}">
+              <a14:hiddenFill xmlns:a14="http://schemas.microsoft.com/office/drawing/2010/main">
+                <a:solidFill>
+                  <a:srgbClr val="FFFFFF"/>
+                </a:solidFill>
+              </a14:hiddenFill>
+            </a:ext>
+          </a:extLst>
+        </p:spPr>
+      </p:pic>
     </p:spTree>
     <p:extLst>
       <p:ext uri="{BB962C8B-B14F-4D97-AF65-F5344CB8AC3E}">
